--- a/Slides/01 - What is Machine Learning and Deep Learning/What is Machine Learning and Deep Learning.pptx
+++ b/Slides/01 - What is Machine Learning and Deep Learning/What is Machine Learning and Deep Learning.pptx
@@ -5,10 +5,10 @@
     <p:sldMasterId id="2147483808" r:id="rId4"/>
   </p:sldMasterIdLst>
   <p:notesMasterIdLst>
-    <p:notesMasterId r:id="rId45"/>
+    <p:notesMasterId r:id="rId46"/>
   </p:notesMasterIdLst>
   <p:handoutMasterIdLst>
-    <p:handoutMasterId r:id="rId46"/>
+    <p:handoutMasterId r:id="rId47"/>
   </p:handoutMasterIdLst>
   <p:sldIdLst>
     <p:sldId id="537" r:id="rId5"/>
@@ -49,8 +49,9 @@
     <p:sldId id="299" r:id="rId40"/>
     <p:sldId id="300" r:id="rId41"/>
     <p:sldId id="301" r:id="rId42"/>
-    <p:sldId id="550" r:id="rId43"/>
-    <p:sldId id="551" r:id="rId44"/>
+    <p:sldId id="551" r:id="rId43"/>
+    <p:sldId id="550" r:id="rId44"/>
+    <p:sldId id="560" r:id="rId45"/>
   </p:sldIdLst>
   <p:sldSz cx="12192000" cy="6858000"/>
   <p:notesSz cx="6858000" cy="9144000"/>
@@ -1944,7 +1945,7 @@
           <a:p>
             <a:fld id="{539FA5EC-0C68-D64C-AA56-40482E14AC21}" type="datetimeFigureOut">
               <a:rPr lang="en-US" smtClean="0"/>
-              <a:t>2/23/2021</a:t>
+              <a:t>3/24/2021</a:t>
             </a:fld>
             <a:endParaRPr lang="en-US"/>
           </a:p>
@@ -2121,7 +2122,7 @@
           <a:p>
             <a:fld id="{FF888D1E-9B75-4AD2-A076-CB52F1D93503}" type="datetimeFigureOut">
               <a:rPr lang="en-US" smtClean="0"/>
-              <a:t>2/23/2021</a:t>
+              <a:t>3/24/2021</a:t>
             </a:fld>
             <a:endParaRPr lang="en-US"/>
           </a:p>
@@ -4605,7 +4606,7 @@
           <a:p>
             <a:fld id="{1D8BD707-D9CF-40AE-B4C6-C98DA3205C09}" type="datetimeFigureOut">
               <a:rPr lang="en-US"/>
-              <a:t>2/23/2021</a:t>
+              <a:t>3/24/2021</a:t>
             </a:fld>
             <a:endParaRPr lang="en-US"/>
           </a:p>
@@ -6146,7 +6147,7 @@
   <p:clrMapOvr>
     <a:masterClrMapping/>
   </p:clrMapOvr>
-  <p:transition advTm="20000"/>
+  <p:transition/>
 </p:sld>
 </file>
 
@@ -6556,7 +6557,7 @@
   <p:clrMapOvr>
     <a:masterClrMapping/>
   </p:clrMapOvr>
-  <p:transition advTm="20000"/>
+  <p:transition/>
 </p:sld>
 </file>
 
@@ -6865,7 +6866,7 @@
   <p:clrMapOvr>
     <a:masterClrMapping/>
   </p:clrMapOvr>
-  <p:transition advTm="20000"/>
+  <p:transition/>
 </p:sld>
 </file>
 
@@ -7543,6 +7544,7 @@
   <p:clrMapOvr>
     <a:masterClrMapping/>
   </p:clrMapOvr>
+  <p:transition/>
 </p:sld>
 </file>
 
@@ -7920,7 +7922,7 @@
   <p:clrMapOvr>
     <a:masterClrMapping/>
   </p:clrMapOvr>
-  <p:transition advTm="20000"/>
+  <p:transition/>
 </p:sld>
 </file>
 
@@ -8598,6 +8600,7 @@
   <p:clrMapOvr>
     <a:masterClrMapping/>
   </p:clrMapOvr>
+  <p:transition/>
 </p:sld>
 </file>
 
@@ -9319,6 +9322,7 @@
   <p:clrMapOvr>
     <a:masterClrMapping/>
   </p:clrMapOvr>
+  <p:transition/>
 </p:sld>
 </file>
 
@@ -11586,7 +11590,7 @@
   <p:clrMapOvr>
     <a:masterClrMapping/>
   </p:clrMapOvr>
-  <p:transition advTm="20000"/>
+  <p:transition/>
 </p:sld>
 </file>
 
@@ -13511,7 +13515,7 @@
   <p:clrMapOvr>
     <a:masterClrMapping/>
   </p:clrMapOvr>
-  <p:transition advTm="20000"/>
+  <p:transition/>
 </p:sld>
 </file>
 
@@ -15894,7 +15898,7 @@
   <p:clrMapOvr>
     <a:masterClrMapping/>
   </p:clrMapOvr>
-  <p:transition advTm="20000"/>
+  <p:transition/>
 </p:sld>
 </file>
 
@@ -15938,15 +15942,7 @@
           <a:p>
             <a:r>
               <a:rPr lang="de-DE" dirty="0"/>
-              <a:t>This </a:t>
-            </a:r>
-            <a:r>
-              <a:rPr lang="de-DE" dirty="0" err="1"/>
-              <a:t>session</a:t>
-            </a:r>
-            <a:r>
-              <a:rPr lang="de-DE" dirty="0"/>
-              <a:t>:</a:t>
+              <a:t>This Session:</a:t>
             </a:r>
           </a:p>
         </p:txBody>
@@ -16363,7 +16359,7 @@
   <p:clrMapOvr>
     <a:masterClrMapping/>
   </p:clrMapOvr>
-  <p:transition advTm="20000"/>
+  <p:transition/>
 </p:sld>
 </file>
 
@@ -17972,7 +17968,7 @@
   <p:clrMapOvr>
     <a:masterClrMapping/>
   </p:clrMapOvr>
-  <p:transition advTm="20000"/>
+  <p:transition/>
 </p:sld>
 </file>
 
@@ -18652,7 +18648,7 @@
   <p:clrMapOvr>
     <a:masterClrMapping/>
   </p:clrMapOvr>
-  <p:transition advTm="20000"/>
+  <p:transition/>
 </p:sld>
 </file>
 
@@ -19312,7 +19308,7 @@
   <p:clrMapOvr>
     <a:masterClrMapping/>
   </p:clrMapOvr>
-  <p:transition advTm="20000"/>
+  <p:transition/>
 </p:sld>
 </file>
 
@@ -20212,7 +20208,7 @@
   <p:clrMapOvr>
     <a:masterClrMapping/>
   </p:clrMapOvr>
-  <p:transition advTm="20000"/>
+  <p:transition/>
 </p:sld>
 </file>
 
@@ -20955,7 +20951,7 @@
   <p:clrMapOvr>
     <a:masterClrMapping/>
   </p:clrMapOvr>
-  <p:transition advTm="20000"/>
+  <p:transition/>
 </p:sld>
 </file>
 
@@ -21288,7 +21284,7 @@
               </a:rPr>
               <a:t>is</a:t>
             </a:r>
-            <a:endParaRPr sz="1600">
+            <a:endParaRPr sz="1600" dirty="0">
               <a:latin typeface="Verdana"/>
               <a:cs typeface="Verdana"/>
             </a:endParaRPr>
@@ -21307,7 +21303,7 @@
               <a:buFont typeface="Arial"/>
               <a:buChar char="•"/>
             </a:pPr>
-            <a:endParaRPr sz="2550">
+            <a:endParaRPr sz="2550" dirty="0">
               <a:latin typeface="Verdana"/>
               <a:cs typeface="Verdana"/>
             </a:endParaRPr>
@@ -21339,7 +21335,7 @@
               </a:rPr>
               <a:t>Learning</a:t>
             </a:r>
-            <a:endParaRPr sz="1800">
+            <a:endParaRPr sz="1800" dirty="0">
               <a:latin typeface="Verdana"/>
               <a:cs typeface="Verdana"/>
             </a:endParaRPr>
@@ -21374,10 +21370,6 @@
               </a:rPr>
               <a:t>Analytics)</a:t>
             </a:r>
-            <a:endParaRPr sz="1800">
-              <a:latin typeface="Verdana"/>
-              <a:cs typeface="Verdana"/>
-            </a:endParaRPr>
           </a:p>
           <a:p>
             <a:pPr>
@@ -21388,7 +21380,7 @@
                 <a:spcPts val="30"/>
               </a:spcBef>
             </a:pPr>
-            <a:endParaRPr sz="2500">
+            <a:endParaRPr sz="2500" dirty="0">
               <a:latin typeface="Verdana"/>
               <a:cs typeface="Verdana"/>
             </a:endParaRPr>
@@ -21638,7 +21630,7 @@
               </a:rPr>
               <a:t>about:</a:t>
             </a:r>
-            <a:endParaRPr sz="1600">
+            <a:endParaRPr sz="1600" dirty="0">
               <a:latin typeface="Verdana"/>
               <a:cs typeface="Verdana"/>
             </a:endParaRPr>
@@ -21670,7 +21662,7 @@
               </a:rPr>
               <a:t>Regression</a:t>
             </a:r>
-            <a:endParaRPr sz="1600">
+            <a:endParaRPr sz="1600" dirty="0">
               <a:latin typeface="Verdana"/>
               <a:cs typeface="Verdana"/>
             </a:endParaRPr>
@@ -21702,7 +21694,7 @@
               </a:rPr>
               <a:t>Classification</a:t>
             </a:r>
-            <a:endParaRPr sz="1600">
+            <a:endParaRPr sz="1600" dirty="0">
               <a:latin typeface="Verdana"/>
               <a:cs typeface="Verdana"/>
             </a:endParaRPr>
@@ -21719,7 +21711,7 @@
   <p:clrMapOvr>
     <a:masterClrMapping/>
   </p:clrMapOvr>
-  <p:transition advTm="20000"/>
+  <p:transition/>
 </p:sld>
 </file>
 
@@ -21993,7 +21985,7 @@
   <p:clrMapOvr>
     <a:masterClrMapping/>
   </p:clrMapOvr>
-  <p:transition advTm="20000"/>
+  <p:transition/>
 </p:sld>
 </file>
 
@@ -22964,7 +22956,7 @@
   <p:clrMapOvr>
     <a:masterClrMapping/>
   </p:clrMapOvr>
-  <p:transition advTm="20000"/>
+  <p:transition/>
 </p:sld>
 </file>
 
@@ -23532,7 +23524,7 @@
   <p:clrMapOvr>
     <a:masterClrMapping/>
   </p:clrMapOvr>
-  <p:transition advTm="20000"/>
+  <p:transition/>
 </p:sld>
 </file>
 
@@ -25171,7 +25163,7 @@
   <p:clrMapOvr>
     <a:masterClrMapping/>
   </p:clrMapOvr>
-  <p:transition advTm="20000"/>
+  <p:transition/>
 </p:sld>
 </file>
 
@@ -25802,7 +25794,7 @@
   <p:clrMapOvr>
     <a:masterClrMapping/>
   </p:clrMapOvr>
-  <p:transition advTm="20000"/>
+  <p:transition/>
 </p:sld>
 </file>
 
@@ -28384,7 +28376,7 @@
   <p:clrMapOvr>
     <a:masterClrMapping/>
   </p:clrMapOvr>
-  <p:transition advTm="20000"/>
+  <p:transition/>
 </p:sld>
 </file>
 
@@ -28698,7 +28690,7 @@
   <p:clrMapOvr>
     <a:masterClrMapping/>
   </p:clrMapOvr>
-  <p:transition advTm="20000"/>
+  <p:transition/>
 </p:sld>
 </file>
 
@@ -29507,7 +29499,7 @@
   <p:clrMapOvr>
     <a:masterClrMapping/>
   </p:clrMapOvr>
-  <p:transition advTm="20000"/>
+  <p:transition/>
 </p:sld>
 </file>
 
@@ -30748,7 +30740,7 @@
   <p:clrMapOvr>
     <a:masterClrMapping/>
   </p:clrMapOvr>
-  <p:transition advTm="20000"/>
+  <p:transition/>
 </p:sld>
 </file>
 
@@ -31924,7 +31916,7 @@
   <p:clrMapOvr>
     <a:masterClrMapping/>
   </p:clrMapOvr>
-  <p:transition advTm="20000"/>
+  <p:transition/>
 </p:sld>
 </file>
 
@@ -33150,7 +33142,7 @@
   <p:clrMapOvr>
     <a:masterClrMapping/>
   </p:clrMapOvr>
-  <p:transition advTm="20000"/>
+  <p:transition/>
 </p:sld>
 </file>
 
@@ -35648,7 +35640,7 @@
   <p:clrMapOvr>
     <a:masterClrMapping/>
   </p:clrMapOvr>
-  <p:transition advTm="20000"/>
+  <p:transition/>
 </p:sld>
 </file>
 
@@ -39136,7 +39128,7 @@
   <p:clrMapOvr>
     <a:masterClrMapping/>
   </p:clrMapOvr>
-  <p:transition advTm="20000"/>
+  <p:transition/>
 </p:sld>
 </file>
 
@@ -42150,12 +42142,12 @@
   <p:clrMapOvr>
     <a:masterClrMapping/>
   </p:clrMapOvr>
-  <p:transition advTm="20000"/>
+  <p:transition/>
 </p:sld>
 </file>
 
 <file path=ppt/slides/slide39.xml><?xml version="1.0" encoding="utf-8"?>
-<p:sld xmlns:a="http://schemas.openxmlformats.org/drawingml/2006/main" xmlns:r="http://schemas.openxmlformats.org/officeDocument/2006/relationships" xmlns:p="http://schemas.openxmlformats.org/presentationml/2006/main" show="0">
+<p:sld xmlns:a="http://schemas.openxmlformats.org/drawingml/2006/main" xmlns:r="http://schemas.openxmlformats.org/officeDocument/2006/relationships" xmlns:p="http://schemas.openxmlformats.org/presentationml/2006/main">
   <p:cSld>
     <p:spTree>
       <p:nvGrpSpPr>
@@ -42194,8 +42186,156 @@
           <a:p>
             <a:r>
               <a:rPr lang="de-DE" dirty="0"/>
-              <a:t>Outlook</a:t>
-            </a:r>
+              <a:t>Questions:</a:t>
+            </a:r>
+          </a:p>
+        </p:txBody>
+      </p:sp>
+      <p:sp>
+        <p:nvSpPr>
+          <p:cNvPr id="3" name="Inhaltsplatzhalter 2">
+            <a:extLst>
+              <a:ext uri="{FF2B5EF4-FFF2-40B4-BE49-F238E27FC236}">
+                <a16:creationId xmlns:a16="http://schemas.microsoft.com/office/drawing/2014/main" id="{57A675A5-578E-4619-A644-7F58FD318CC3}"/>
+              </a:ext>
+            </a:extLst>
+          </p:cNvPr>
+          <p:cNvSpPr>
+            <a:spLocks noGrp="1"/>
+          </p:cNvSpPr>
+          <p:nvPr>
+            <p:ph idx="1"/>
+          </p:nvPr>
+        </p:nvSpPr>
+        <p:spPr/>
+        <p:txBody>
+          <a:bodyPr/>
+          <a:lstStyle/>
+          <a:p>
+            <a:r>
+              <a:rPr lang="de-DE" dirty="0" err="1"/>
+              <a:t>What</a:t>
+            </a:r>
+            <a:r>
+              <a:rPr lang="de-DE" dirty="0"/>
+              <a:t> </a:t>
+            </a:r>
+            <a:r>
+              <a:rPr lang="de-DE" dirty="0" err="1"/>
+              <a:t>is</a:t>
+            </a:r>
+            <a:r>
+              <a:rPr lang="de-DE" dirty="0"/>
+              <a:t> </a:t>
+            </a:r>
+            <a:r>
+              <a:rPr lang="de-DE" dirty="0" err="1"/>
+              <a:t>Artificial</a:t>
+            </a:r>
+            <a:r>
+              <a:rPr lang="de-DE" dirty="0"/>
+              <a:t> </a:t>
+            </a:r>
+            <a:r>
+              <a:rPr lang="de-DE" dirty="0" err="1"/>
+              <a:t>intelligence</a:t>
+            </a:r>
+            <a:r>
+              <a:rPr lang="de-DE" dirty="0"/>
+              <a:t>, </a:t>
+            </a:r>
+            <a:r>
+              <a:rPr lang="de-DE" dirty="0" err="1"/>
+              <a:t>Machine</a:t>
+            </a:r>
+            <a:r>
+              <a:rPr lang="de-DE" dirty="0"/>
+              <a:t> </a:t>
+            </a:r>
+            <a:r>
+              <a:rPr lang="de-DE" dirty="0" err="1"/>
+              <a:t>learning</a:t>
+            </a:r>
+            <a:r>
+              <a:rPr lang="de-DE" dirty="0"/>
+              <a:t> and </a:t>
+            </a:r>
+            <a:r>
+              <a:rPr lang="de-DE" dirty="0" err="1"/>
+              <a:t>deep</a:t>
+            </a:r>
+            <a:r>
+              <a:rPr lang="de-DE" dirty="0"/>
+              <a:t> </a:t>
+            </a:r>
+            <a:r>
+              <a:rPr lang="de-DE" dirty="0" err="1"/>
+              <a:t>learning</a:t>
+            </a:r>
+            <a:r>
+              <a:rPr lang="de-DE" dirty="0"/>
+              <a:t>.</a:t>
+            </a:r>
+          </a:p>
+          <a:p>
+            <a:r>
+              <a:rPr lang="de-DE" dirty="0" err="1"/>
+              <a:t>Where</a:t>
+            </a:r>
+            <a:r>
+              <a:rPr lang="de-DE" dirty="0"/>
+              <a:t> do </a:t>
+            </a:r>
+            <a:r>
+              <a:rPr lang="de-DE" dirty="0" err="1"/>
+              <a:t>we</a:t>
+            </a:r>
+            <a:r>
+              <a:rPr lang="de-DE" dirty="0"/>
+              <a:t> </a:t>
+            </a:r>
+            <a:r>
+              <a:rPr lang="de-DE" dirty="0" err="1"/>
+              <a:t>use</a:t>
+            </a:r>
+            <a:r>
+              <a:rPr lang="de-DE" dirty="0"/>
+              <a:t> AI </a:t>
+            </a:r>
+            <a:r>
+              <a:rPr lang="en-GB" dirty="0"/>
+              <a:t>already</a:t>
+            </a:r>
+            <a:r>
+              <a:rPr lang="de-DE" dirty="0"/>
+              <a:t>?</a:t>
+            </a:r>
+          </a:p>
+          <a:p>
+            <a:r>
+              <a:rPr lang="de-DE" dirty="0" err="1"/>
+              <a:t>Explain</a:t>
+            </a:r>
+            <a:r>
+              <a:rPr lang="de-DE" dirty="0"/>
+              <a:t>: </a:t>
+            </a:r>
+            <a:r>
+              <a:rPr lang="en-US" dirty="0"/>
+              <a:t>Supervised, Unsupervised, Semi-supervised, Reinforcement Learning</a:t>
+            </a:r>
+          </a:p>
+          <a:p>
+            <a:r>
+              <a:rPr lang="en-US" dirty="0"/>
+              <a:t>Explain: Regression, Classification</a:t>
+            </a:r>
+          </a:p>
+          <a:p>
+            <a:endParaRPr lang="en-US" dirty="0"/>
+          </a:p>
+          <a:p>
+            <a:endParaRPr lang="de-DE" dirty="0"/>
           </a:p>
         </p:txBody>
       </p:sp>
@@ -42257,64 +42397,17 @@
           </a:p>
         </p:txBody>
       </p:sp>
-      <p:pic>
-        <p:nvPicPr>
-          <p:cNvPr id="3074" name="Picture 2" descr="Post image">
-            <a:extLst>
-              <a:ext uri="{FF2B5EF4-FFF2-40B4-BE49-F238E27FC236}">
-                <a16:creationId xmlns:a16="http://schemas.microsoft.com/office/drawing/2014/main" id="{9017CE5C-CB4B-4FEE-B0C0-8FFE05FA8154}"/>
-              </a:ext>
-            </a:extLst>
-          </p:cNvPr>
-          <p:cNvPicPr>
-            <a:picLocks noChangeAspect="1" noChangeArrowheads="1"/>
-          </p:cNvPicPr>
-          <p:nvPr/>
-        </p:nvPicPr>
-        <p:blipFill>
-          <a:blip r:embed="rId2">
-            <a:extLst>
-              <a:ext uri="{28A0092B-C50C-407E-A947-70E740481C1C}">
-                <a14:useLocalDpi xmlns:a14="http://schemas.microsoft.com/office/drawing/2010/main" val="0"/>
-              </a:ext>
-            </a:extLst>
-          </a:blip>
-          <a:srcRect/>
-          <a:stretch>
-            <a:fillRect/>
-          </a:stretch>
-        </p:blipFill>
-        <p:spPr bwMode="auto">
-          <a:xfrm>
-            <a:off x="7615503" y="1297653"/>
-            <a:ext cx="4313903" cy="5122760"/>
-          </a:xfrm>
-          <a:prstGeom prst="rect">
-            <a:avLst/>
-          </a:prstGeom>
-          <a:noFill/>
-          <a:extLst>
-            <a:ext uri="{909E8E84-426E-40DD-AFC4-6F175D3DCCD1}">
-              <a14:hiddenFill xmlns:a14="http://schemas.microsoft.com/office/drawing/2010/main">
-                <a:solidFill>
-                  <a:srgbClr val="FFFFFF"/>
-                </a:solidFill>
-              </a14:hiddenFill>
-            </a:ext>
-          </a:extLst>
-        </p:spPr>
-      </p:pic>
     </p:spTree>
     <p:extLst>
       <p:ext uri="{BB962C8B-B14F-4D97-AF65-F5344CB8AC3E}">
-        <p14:creationId xmlns:p14="http://schemas.microsoft.com/office/powerpoint/2010/main" val="374527860"/>
+        <p14:creationId xmlns:p14="http://schemas.microsoft.com/office/powerpoint/2010/main" val="433915405"/>
       </p:ext>
     </p:extLst>
   </p:cSld>
   <p:clrMapOvr>
     <a:masterClrMapping/>
   </p:clrMapOvr>
-  <p:transition advTm="20000"/>
+  <p:transition/>
 </p:sld>
 </file>
 
@@ -43883,11 +43976,175 @@
   <p:clrMapOvr>
     <a:masterClrMapping/>
   </p:clrMapOvr>
-  <p:transition advTm="20000"/>
+  <p:transition/>
 </p:sld>
 </file>
 
 <file path=ppt/slides/slide40.xml><?xml version="1.0" encoding="utf-8"?>
+<p:sld xmlns:a="http://schemas.openxmlformats.org/drawingml/2006/main" xmlns:r="http://schemas.openxmlformats.org/officeDocument/2006/relationships" xmlns:p="http://schemas.openxmlformats.org/presentationml/2006/main" show="0">
+  <p:cSld>
+    <p:spTree>
+      <p:nvGrpSpPr>
+        <p:cNvPr id="1" name=""/>
+        <p:cNvGrpSpPr/>
+        <p:nvPr/>
+      </p:nvGrpSpPr>
+      <p:grpSpPr>
+        <a:xfrm>
+          <a:off x="0" y="0"/>
+          <a:ext cx="0" cy="0"/>
+          <a:chOff x="0" y="0"/>
+          <a:chExt cx="0" cy="0"/>
+        </a:xfrm>
+      </p:grpSpPr>
+      <p:sp>
+        <p:nvSpPr>
+          <p:cNvPr id="2" name="Titel 1">
+            <a:extLst>
+              <a:ext uri="{FF2B5EF4-FFF2-40B4-BE49-F238E27FC236}">
+                <a16:creationId xmlns:a16="http://schemas.microsoft.com/office/drawing/2014/main" id="{65E9897E-C85F-484C-9F47-8A7FD264F651}"/>
+              </a:ext>
+            </a:extLst>
+          </p:cNvPr>
+          <p:cNvSpPr>
+            <a:spLocks noGrp="1"/>
+          </p:cNvSpPr>
+          <p:nvPr>
+            <p:ph type="title"/>
+          </p:nvPr>
+        </p:nvSpPr>
+        <p:spPr/>
+        <p:txBody>
+          <a:bodyPr/>
+          <a:lstStyle/>
+          <a:p>
+            <a:r>
+              <a:rPr lang="de-DE" dirty="0"/>
+              <a:t>Outlook</a:t>
+            </a:r>
+          </a:p>
+        </p:txBody>
+      </p:sp>
+      <p:sp>
+        <p:nvSpPr>
+          <p:cNvPr id="4" name="Fußzeilenplatzhalter 3">
+            <a:extLst>
+              <a:ext uri="{FF2B5EF4-FFF2-40B4-BE49-F238E27FC236}">
+                <a16:creationId xmlns:a16="http://schemas.microsoft.com/office/drawing/2014/main" id="{2E397612-2A95-474B-8D73-72290876ED78}"/>
+              </a:ext>
+            </a:extLst>
+          </p:cNvPr>
+          <p:cNvSpPr>
+            <a:spLocks noGrp="1"/>
+          </p:cNvSpPr>
+          <p:nvPr>
+            <p:ph type="ftr" sz="quarter" idx="10"/>
+          </p:nvPr>
+        </p:nvSpPr>
+        <p:spPr/>
+        <p:txBody>
+          <a:bodyPr/>
+          <a:lstStyle/>
+          <a:p>
+            <a:r>
+              <a:rPr lang="en-US"/>
+              <a:t>Marcus.Rueb@Hahn-Schickard.de - Tel.: 07721/943-180</a:t>
+            </a:r>
+            <a:endParaRPr lang="en-US" dirty="0"/>
+          </a:p>
+        </p:txBody>
+      </p:sp>
+      <p:sp>
+        <p:nvSpPr>
+          <p:cNvPr id="5" name="Foliennummernplatzhalter 4">
+            <a:extLst>
+              <a:ext uri="{FF2B5EF4-FFF2-40B4-BE49-F238E27FC236}">
+                <a16:creationId xmlns:a16="http://schemas.microsoft.com/office/drawing/2014/main" id="{5F02B300-35DF-45EB-B173-CECDB6C6F1B8}"/>
+              </a:ext>
+            </a:extLst>
+          </p:cNvPr>
+          <p:cNvSpPr>
+            <a:spLocks noGrp="1"/>
+          </p:cNvSpPr>
+          <p:nvPr>
+            <p:ph type="sldNum" sz="quarter" idx="11"/>
+          </p:nvPr>
+        </p:nvSpPr>
+        <p:spPr/>
+        <p:txBody>
+          <a:bodyPr/>
+          <a:lstStyle/>
+          <a:p>
+            <a:fld id="{0625EBFC-0345-4FA4-A801-51797D94B198}" type="slidenum">
+              <a:rPr lang="de-DE" smtClean="0"/>
+              <a:t>40</a:t>
+            </a:fld>
+            <a:endParaRPr lang="de-DE" dirty="0"/>
+          </a:p>
+        </p:txBody>
+      </p:sp>
+      <p:pic>
+        <p:nvPicPr>
+          <p:cNvPr id="3074" name="Picture 2" descr="Post image">
+            <a:extLst>
+              <a:ext uri="{FF2B5EF4-FFF2-40B4-BE49-F238E27FC236}">
+                <a16:creationId xmlns:a16="http://schemas.microsoft.com/office/drawing/2014/main" id="{9017CE5C-CB4B-4FEE-B0C0-8FFE05FA8154}"/>
+              </a:ext>
+            </a:extLst>
+          </p:cNvPr>
+          <p:cNvPicPr>
+            <a:picLocks noChangeAspect="1" noChangeArrowheads="1"/>
+          </p:cNvPicPr>
+          <p:nvPr/>
+        </p:nvPicPr>
+        <p:blipFill>
+          <a:blip r:embed="rId2">
+            <a:extLst>
+              <a:ext uri="{28A0092B-C50C-407E-A947-70E740481C1C}">
+                <a14:useLocalDpi xmlns:a14="http://schemas.microsoft.com/office/drawing/2010/main" val="0"/>
+              </a:ext>
+            </a:extLst>
+          </a:blip>
+          <a:srcRect/>
+          <a:stretch>
+            <a:fillRect/>
+          </a:stretch>
+        </p:blipFill>
+        <p:spPr bwMode="auto">
+          <a:xfrm>
+            <a:off x="7615503" y="1297653"/>
+            <a:ext cx="4313903" cy="5122760"/>
+          </a:xfrm>
+          <a:prstGeom prst="rect">
+            <a:avLst/>
+          </a:prstGeom>
+          <a:noFill/>
+          <a:extLst>
+            <a:ext uri="{909E8E84-426E-40DD-AFC4-6F175D3DCCD1}">
+              <a14:hiddenFill xmlns:a14="http://schemas.microsoft.com/office/drawing/2010/main">
+                <a:solidFill>
+                  <a:srgbClr val="FFFFFF"/>
+                </a:solidFill>
+              </a14:hiddenFill>
+            </a:ext>
+          </a:extLst>
+        </p:spPr>
+      </p:pic>
+    </p:spTree>
+    <p:extLst>
+      <p:ext uri="{BB962C8B-B14F-4D97-AF65-F5344CB8AC3E}">
+        <p14:creationId xmlns:p14="http://schemas.microsoft.com/office/powerpoint/2010/main" val="374527860"/>
+      </p:ext>
+    </p:extLst>
+  </p:cSld>
+  <p:clrMapOvr>
+    <a:masterClrMapping/>
+  </p:clrMapOvr>
+  <p:transition/>
+</p:sld>
+</file>
+
+<file path=ppt/slides/slide41.xml><?xml version="1.0" encoding="utf-8"?>
 <p:sld xmlns:a="http://schemas.openxmlformats.org/drawingml/2006/main" xmlns:r="http://schemas.openxmlformats.org/officeDocument/2006/relationships" xmlns:p="http://schemas.openxmlformats.org/presentationml/2006/main">
   <p:cSld>
     <p:spTree>
@@ -43925,7 +44182,7 @@
           <a:bodyPr/>
           <a:lstStyle/>
           <a:p>
-            <a:endParaRPr lang="de-DE"/>
+            <a:endParaRPr lang="de-DE" dirty="0"/>
           </a:p>
         </p:txBody>
       </p:sp>
@@ -44006,7 +44263,7 @@
           <a:p>
             <a:fld id="{0625EBFC-0345-4FA4-A801-51797D94B198}" type="slidenum">
               <a:rPr lang="de-DE" smtClean="0"/>
-              <a:t>40</a:t>
+              <a:t>41</a:t>
             </a:fld>
             <a:endParaRPr lang="de-DE" dirty="0"/>
           </a:p>
@@ -44015,14 +44272,14 @@
     </p:spTree>
     <p:extLst>
       <p:ext uri="{BB962C8B-B14F-4D97-AF65-F5344CB8AC3E}">
-        <p14:creationId xmlns:p14="http://schemas.microsoft.com/office/powerpoint/2010/main" val="433915405"/>
+        <p14:creationId xmlns:p14="http://schemas.microsoft.com/office/powerpoint/2010/main" val="3470272987"/>
       </p:ext>
     </p:extLst>
   </p:cSld>
   <p:clrMapOvr>
     <a:masterClrMapping/>
   </p:clrMapOvr>
-  <p:transition advTm="20000"/>
+  <p:transition/>
 </p:sld>
 </file>
 
@@ -44836,7 +45093,7 @@
   <p:clrMapOvr>
     <a:masterClrMapping/>
   </p:clrMapOvr>
-  <p:transition advTm="20000"/>
+  <p:transition/>
 </p:sld>
 </file>
 
@@ -45624,7 +45881,7 @@
   <p:clrMapOvr>
     <a:masterClrMapping/>
   </p:clrMapOvr>
-  <p:transition advTm="20000"/>
+  <p:transition/>
 </p:sld>
 </file>
 
@@ -47217,7 +47474,7 @@
   <p:clrMapOvr>
     <a:masterClrMapping/>
   </p:clrMapOvr>
-  <p:transition advTm="20000"/>
+  <p:transition/>
 </p:sld>
 </file>
 
@@ -49623,7 +49880,7 @@
   <p:clrMapOvr>
     <a:masterClrMapping/>
   </p:clrMapOvr>
-  <p:transition advTm="20000"/>
+  <p:transition/>
 </p:sld>
 </file>
 
@@ -50102,7 +50359,7 @@
   <p:clrMapOvr>
     <a:masterClrMapping/>
   </p:clrMapOvr>
-  <p:transition advTm="20000"/>
+  <p:transition/>
 </p:sld>
 </file>
 
@@ -51334,21 +51591,6 @@
 </file>
 
 <file path=customXml/item1.xml><?xml version="1.0" encoding="utf-8"?>
-<?mso-contentType ?>
-<FormTemplates xmlns="http://schemas.microsoft.com/sharepoint/v3/contenttype/forms">
-  <Display>DocumentLibraryForm</Display>
-  <Edit>DocumentLibraryForm</Edit>
-  <New>DocumentLibraryForm</New>
-</FormTemplates>
-</file>
-
-<file path=customXml/item2.xml><?xml version="1.0" encoding="utf-8"?>
-<p:properties xmlns:p="http://schemas.microsoft.com/office/2006/metadata/properties" xmlns:xsi="http://www.w3.org/2001/XMLSchema-instance" xmlns:pc="http://schemas.microsoft.com/office/infopath/2007/PartnerControls">
-  <documentManagement/>
-</p:properties>
-</file>
-
-<file path=customXml/item3.xml><?xml version="1.0" encoding="utf-8"?>
 <ct:contentTypeSchema xmlns:ct="http://schemas.microsoft.com/office/2006/metadata/contentType" xmlns:ma="http://schemas.microsoft.com/office/2006/metadata/properties/metaAttributes" ct:_="" ma:_="" ma:contentTypeName="Document" ma:contentTypeID="0x010100EB28163D68FE8E4D9361964FDD814FC4" ma:contentTypeVersion="13" ma:contentTypeDescription="Create a new document." ma:contentTypeScope="" ma:versionID="d7cdadbb72410e7d3c3619f77e01104d">
   <xsd:schema xmlns:xsd="http://www.w3.org/2001/XMLSchema" xmlns:xs="http://www.w3.org/2001/XMLSchema" xmlns:p="http://schemas.microsoft.com/office/2006/metadata/properties" xmlns:ns3="cc9c437c-ae0c-4066-8d90-a0f7de786127" xmlns:ns4="ba37140e-f4c5-4a6c-a9b4-20a691ce6c8a" targetNamespace="http://schemas.microsoft.com/office/2006/metadata/properties" ma:root="true" ma:fieldsID="a151dd9bf6e0aa11401945feadb2b6c6" ns3:_="" ns4:_="">
     <xsd:import namespace="cc9c437c-ae0c-4066-8d90-a0f7de786127"/>
@@ -51571,24 +51813,22 @@
 </ct:contentTypeSchema>
 </file>
 
-<file path=customXml/itemProps1.xml><?xml version="1.0" encoding="utf-8"?>
-<ds:datastoreItem xmlns:ds="http://schemas.openxmlformats.org/officeDocument/2006/customXml" ds:itemID="{DB59AE0B-1B5C-42BB-AB8F-54DF3D621F63}">
-  <ds:schemaRefs>
-    <ds:schemaRef ds:uri="http://schemas.microsoft.com/sharepoint/v3/contenttype/forms"/>
-  </ds:schemaRefs>
-</ds:datastoreItem>
+<file path=customXml/item2.xml><?xml version="1.0" encoding="utf-8"?>
+<?mso-contentType ?>
+<FormTemplates xmlns="http://schemas.microsoft.com/sharepoint/v3/contenttype/forms">
+  <Display>DocumentLibraryForm</Display>
+  <Edit>DocumentLibraryForm</Edit>
+  <New>DocumentLibraryForm</New>
+</FormTemplates>
 </file>
 
-<file path=customXml/itemProps2.xml><?xml version="1.0" encoding="utf-8"?>
-<ds:datastoreItem xmlns:ds="http://schemas.openxmlformats.org/officeDocument/2006/customXml" ds:itemID="{402E57CA-CADC-4E1E-9020-C67751D69A66}">
-  <ds:schemaRefs>
-    <ds:schemaRef ds:uri="http://schemas.microsoft.com/office/2006/metadata/properties"/>
-    <ds:schemaRef ds:uri="http://schemas.microsoft.com/office/infopath/2007/PartnerControls"/>
-  </ds:schemaRefs>
-</ds:datastoreItem>
+<file path=customXml/item3.xml><?xml version="1.0" encoding="utf-8"?>
+<p:properties xmlns:p="http://schemas.microsoft.com/office/2006/metadata/properties" xmlns:xsi="http://www.w3.org/2001/XMLSchema-instance" xmlns:pc="http://schemas.microsoft.com/office/infopath/2007/PartnerControls">
+  <documentManagement/>
+</p:properties>
 </file>
 
-<file path=customXml/itemProps3.xml><?xml version="1.0" encoding="utf-8"?>
+<file path=customXml/itemProps1.xml><?xml version="1.0" encoding="utf-8"?>
 <ds:datastoreItem xmlns:ds="http://schemas.openxmlformats.org/officeDocument/2006/customXml" ds:itemID="{9F2C0806-06D1-45A7-B25F-24C0DCB0BA7C}">
   <ds:schemaRefs>
     <ds:schemaRef ds:uri="http://schemas.microsoft.com/office/2006/metadata/contentType"/>
@@ -51605,4 +51845,21 @@
     <ds:schemaRef ds:uri="http://schemas.microsoft.com/internal/obd"/>
   </ds:schemaRefs>
 </ds:datastoreItem>
+</file>
+
+<file path=customXml/itemProps2.xml><?xml version="1.0" encoding="utf-8"?>
+<ds:datastoreItem xmlns:ds="http://schemas.openxmlformats.org/officeDocument/2006/customXml" ds:itemID="{DB59AE0B-1B5C-42BB-AB8F-54DF3D621F63}">
+  <ds:schemaRefs>
+    <ds:schemaRef ds:uri="http://schemas.microsoft.com/sharepoint/v3/contenttype/forms"/>
+  </ds:schemaRefs>
+</ds:datastoreItem>
+</file>
+
+<file path=customXml/itemProps3.xml><?xml version="1.0" encoding="utf-8"?>
+<ds:datastoreItem xmlns:ds="http://schemas.openxmlformats.org/officeDocument/2006/customXml" ds:itemID="{402E57CA-CADC-4E1E-9020-C67751D69A66}">
+  <ds:schemaRefs>
+    <ds:schemaRef ds:uri="http://schemas.microsoft.com/office/2006/metadata/properties"/>
+    <ds:schemaRef ds:uri="http://schemas.microsoft.com/office/infopath/2007/PartnerControls"/>
+  </ds:schemaRefs>
+</ds:datastoreItem>
 </file>